--- a/results/figures.pptx
+++ b/results/figures.pptx
@@ -14388,6 +14388,23 @@
             </a:endParaRPr>
           </a:p>
           <a:p>
+            <a:pPr marL="0" marR="0" algn="just">
+              <a:lnSpc>
+                <a:spcPct val="100000"/>
+              </a:lnSpc>
+              <a:spcBef>
+                <a:spcPts val="0"/>
+              </a:spcBef>
+              <a:spcAft>
+                <a:spcPts val="0"/>
+              </a:spcAft>
+            </a:pPr>
+            <a:endParaRPr lang="en-US" sz="1800" dirty="0">
+              <a:effectLst/>
+              <a:ea typeface="Cambria" panose="02040503050406030204" pitchFamily="18" charset="0"/>
+            </a:endParaRPr>
+          </a:p>
+          <a:p>
             <a:pPr marL="342900" marR="0" lvl="0" indent="-342900" algn="just">
               <a:lnSpc>
                 <a:spcPct val="100000"/>
@@ -14423,6 +14440,25 @@
               </a:rPr>
               <a:t>Q in human-only</a:t>
             </a:r>
+            <a:endParaRPr lang="en-US" sz="1800" dirty="0">
+              <a:effectLst/>
+              <a:ea typeface="Cambria" panose="02040503050406030204" pitchFamily="18" charset="0"/>
+            </a:endParaRPr>
+          </a:p>
+          <a:p>
+            <a:pPr marL="0" marR="0" lvl="0" indent="0" algn="just">
+              <a:lnSpc>
+                <a:spcPct val="100000"/>
+              </a:lnSpc>
+              <a:spcBef>
+                <a:spcPts val="0"/>
+              </a:spcBef>
+              <a:spcAft>
+                <a:spcPts val="0"/>
+              </a:spcAft>
+              <a:buFont typeface="Symbol" panose="05050102010706020507" pitchFamily="18" charset="2"/>
+              <a:buNone/>
+            </a:pPr>
             <a:endParaRPr lang="en-US" sz="1800" dirty="0">
               <a:effectLst/>
               <a:ea typeface="Cambria" panose="02040503050406030204" pitchFamily="18" charset="0"/>
